--- a/Лекции/3/Лекция 3 Методы хранения и анализа информации.pptx
+++ b/Лекции/3/Лекция 3 Методы хранения и анализа информации.pptx
@@ -368,7 +368,7 @@
           <a:p>
             <a:fld id="{07467A74-FEEF-45B0-ABD3-14EA22804807}" type="datetimeFigureOut">
               <a:rPr lang="ru-RU" smtClean="0"/>
-              <a:t>08.10.2023</a:t>
+              <a:t>23.01.2024</a:t>
             </a:fld>
             <a:endParaRPr lang="ru-RU"/>
           </a:p>
@@ -6352,7 +6352,7 @@
           <a:p>
             <a:fld id="{44AC4E9E-3BE5-4665-BAE6-72CA507E8656}" type="datetimeFigureOut">
               <a:rPr lang="ru-RU" smtClean="0"/>
-              <a:t>08.10.2023</a:t>
+              <a:t>23.01.2024</a:t>
             </a:fld>
             <a:endParaRPr lang="ru-RU"/>
           </a:p>
@@ -6520,7 +6520,7 @@
           <a:p>
             <a:fld id="{44AC4E9E-3BE5-4665-BAE6-72CA507E8656}" type="datetimeFigureOut">
               <a:rPr lang="ru-RU" smtClean="0"/>
-              <a:t>08.10.2023</a:t>
+              <a:t>23.01.2024</a:t>
             </a:fld>
             <a:endParaRPr lang="ru-RU"/>
           </a:p>
@@ -6698,7 +6698,7 @@
           <a:p>
             <a:fld id="{44AC4E9E-3BE5-4665-BAE6-72CA507E8656}" type="datetimeFigureOut">
               <a:rPr lang="ru-RU" smtClean="0"/>
-              <a:t>08.10.2023</a:t>
+              <a:t>23.01.2024</a:t>
             </a:fld>
             <a:endParaRPr lang="ru-RU"/>
           </a:p>
@@ -6866,7 +6866,7 @@
           <a:p>
             <a:fld id="{44AC4E9E-3BE5-4665-BAE6-72CA507E8656}" type="datetimeFigureOut">
               <a:rPr lang="ru-RU" smtClean="0"/>
-              <a:t>08.10.2023</a:t>
+              <a:t>23.01.2024</a:t>
             </a:fld>
             <a:endParaRPr lang="ru-RU"/>
           </a:p>
@@ -7111,7 +7111,7 @@
           <a:p>
             <a:fld id="{44AC4E9E-3BE5-4665-BAE6-72CA507E8656}" type="datetimeFigureOut">
               <a:rPr lang="ru-RU" smtClean="0"/>
-              <a:t>08.10.2023</a:t>
+              <a:t>23.01.2024</a:t>
             </a:fld>
             <a:endParaRPr lang="ru-RU"/>
           </a:p>
@@ -7340,7 +7340,7 @@
           <a:p>
             <a:fld id="{44AC4E9E-3BE5-4665-BAE6-72CA507E8656}" type="datetimeFigureOut">
               <a:rPr lang="ru-RU" smtClean="0"/>
-              <a:t>08.10.2023</a:t>
+              <a:t>23.01.2024</a:t>
             </a:fld>
             <a:endParaRPr lang="ru-RU"/>
           </a:p>
@@ -7704,7 +7704,7 @@
           <a:p>
             <a:fld id="{44AC4E9E-3BE5-4665-BAE6-72CA507E8656}" type="datetimeFigureOut">
               <a:rPr lang="ru-RU" smtClean="0"/>
-              <a:t>08.10.2023</a:t>
+              <a:t>23.01.2024</a:t>
             </a:fld>
             <a:endParaRPr lang="ru-RU"/>
           </a:p>
@@ -7821,7 +7821,7 @@
           <a:p>
             <a:fld id="{44AC4E9E-3BE5-4665-BAE6-72CA507E8656}" type="datetimeFigureOut">
               <a:rPr lang="ru-RU" smtClean="0"/>
-              <a:t>08.10.2023</a:t>
+              <a:t>23.01.2024</a:t>
             </a:fld>
             <a:endParaRPr lang="ru-RU"/>
           </a:p>
@@ -7916,7 +7916,7 @@
           <a:p>
             <a:fld id="{44AC4E9E-3BE5-4665-BAE6-72CA507E8656}" type="datetimeFigureOut">
               <a:rPr lang="ru-RU" smtClean="0"/>
-              <a:t>08.10.2023</a:t>
+              <a:t>23.01.2024</a:t>
             </a:fld>
             <a:endParaRPr lang="ru-RU"/>
           </a:p>
@@ -8191,7 +8191,7 @@
           <a:p>
             <a:fld id="{44AC4E9E-3BE5-4665-BAE6-72CA507E8656}" type="datetimeFigureOut">
               <a:rPr lang="ru-RU" smtClean="0"/>
-              <a:t>08.10.2023</a:t>
+              <a:t>23.01.2024</a:t>
             </a:fld>
             <a:endParaRPr lang="ru-RU"/>
           </a:p>
@@ -8443,7 +8443,7 @@
           <a:p>
             <a:fld id="{44AC4E9E-3BE5-4665-BAE6-72CA507E8656}" type="datetimeFigureOut">
               <a:rPr lang="ru-RU" smtClean="0"/>
-              <a:t>08.10.2023</a:t>
+              <a:t>23.01.2024</a:t>
             </a:fld>
             <a:endParaRPr lang="ru-RU"/>
           </a:p>
@@ -8654,7 +8654,7 @@
           <a:p>
             <a:fld id="{44AC4E9E-3BE5-4665-BAE6-72CA507E8656}" type="datetimeFigureOut">
               <a:rPr lang="ru-RU" smtClean="0"/>
-              <a:t>08.10.2023</a:t>
+              <a:t>23.01.2024</a:t>
             </a:fld>
             <a:endParaRPr lang="ru-RU"/>
           </a:p>
@@ -9995,11 +9995,11 @@
             </a:pPr>
             <a:r>
               <a:rPr lang="ru-RU" sz="2000" dirty="0"/>
-              <a:t>Упрощение километровых </a:t>
+              <a:t>Упрощение «километровых» </a:t>
             </a:r>
             <a:r>
               <a:rPr lang="en-US" sz="2000" dirty="0"/>
-              <a:t>Join</a:t>
+              <a:t>JOIN</a:t>
             </a:r>
           </a:p>
           <a:p>
@@ -10799,21 +10799,21 @@
         </p:nvSpPr>
         <p:spPr>
           <a:xfrm>
-            <a:off x="4273082" y="4605257"/>
-            <a:ext cx="6096000" cy="184666"/>
+            <a:off x="3281585" y="4727487"/>
+            <a:ext cx="7096043" cy="230832"/>
           </a:xfrm>
           <a:prstGeom prst="rect">
             <a:avLst/>
           </a:prstGeom>
         </p:spPr>
         <p:txBody>
-          <a:bodyPr>
+          <a:bodyPr wrap="square">
             <a:spAutoFit/>
           </a:bodyPr>
           <a:lstStyle/>
           <a:p>
             <a:r>
-              <a:rPr lang="ru-RU" sz="600" dirty="0"/>
+              <a:rPr lang="ru-RU" sz="900" dirty="0"/>
               <a:t>https://sql-academy.org/ru/guide/structure-of-relation-databases#struktura-tablicy</a:t>
             </a:r>
           </a:p>
@@ -11109,7 +11109,7 @@
         </p:nvSpPr>
         <p:spPr>
           <a:xfrm>
-            <a:off x="497840" y="1166293"/>
+            <a:off x="497840" y="1046652"/>
             <a:ext cx="11196320" cy="3908762"/>
           </a:xfrm>
           <a:prstGeom prst="rect">
@@ -13317,7 +13317,7 @@
         </p:nvSpPr>
         <p:spPr>
           <a:xfrm>
-            <a:off x="965451" y="1780854"/>
+            <a:off x="866513" y="1219727"/>
             <a:ext cx="10732096" cy="4647426"/>
           </a:xfrm>
           <a:prstGeom prst="rect">
@@ -13453,12 +13453,12 @@
               <a:defRPr/>
             </a:pPr>
             <a:r>
-              <a:rPr lang="en-US" sz="3200" dirty="0"/>
+              <a:rPr lang="ru-RU" sz="3200" dirty="0"/>
               <a:t>	</a:t>
             </a:r>
             <a:r>
               <a:rPr lang="ru-RU" sz="2400" dirty="0"/>
-              <a:t>Расследование с применением запросов к БД оператора сотовой связи. Делаем дома, защищаем на паре</a:t>
+              <a:t>Расследование с применением запросов к БД оператора сотовой связи. 	Делаем дома, защищаем на паре</a:t>
             </a:r>
             <a:endParaRPr lang="ru-RU" sz="2800" dirty="0"/>
           </a:p>
@@ -13478,7 +13478,7 @@
         </p:nvSpPr>
         <p:spPr>
           <a:xfrm>
-            <a:off x="0" y="6567586"/>
+            <a:off x="247828" y="6405584"/>
             <a:ext cx="5133265" cy="307777"/>
           </a:xfrm>
           <a:prstGeom prst="rect">
@@ -18081,7 +18081,7 @@
         <p:spPr>
           <a:xfrm>
             <a:off x="497840" y="941765"/>
-            <a:ext cx="11196320" cy="6494085"/>
+            <a:ext cx="11196320" cy="6001643"/>
           </a:xfrm>
           <a:prstGeom prst="rect">
             <a:avLst/>
@@ -18239,19 +18239,13 @@
             </a:pPr>
             <a:r>
               <a:rPr lang="ru-RU" sz="3200" dirty="0"/>
-              <a:t>Если нужно группировать по более 1 полю – по аналогии с </a:t>
+              <a:t>Если нужно группировать по более чем 1 полю – по аналогии с </a:t>
             </a:r>
             <a:r>
               <a:rPr lang="en-US" sz="3200" dirty="0"/>
               <a:t>ORDER BY</a:t>
             </a:r>
             <a:endParaRPr lang="ru-RU" sz="3200" dirty="0"/>
-          </a:p>
-          <a:p>
-            <a:pPr>
-              <a:defRPr/>
-            </a:pPr>
-            <a:endParaRPr lang="ru-RU" sz="3200" b="1" dirty="0"/>
           </a:p>
         </p:txBody>
       </p:sp>
@@ -20047,8 +20041,8 @@
         </p:nvSpPr>
         <p:spPr>
           <a:xfrm>
-            <a:off x="5379721" y="3006277"/>
-            <a:ext cx="7049346" cy="2677656"/>
+            <a:off x="5532121" y="2968177"/>
+            <a:ext cx="6411226" cy="2308324"/>
           </a:xfrm>
           <a:prstGeom prst="rect">
             <a:avLst/>
@@ -20064,114 +20058,114 @@
               <a:defRPr/>
             </a:pPr>
             <a:r>
-              <a:rPr lang="ru-RU" altLang="ru-RU" sz="2400" dirty="0"/>
+              <a:rPr lang="ru-RU" altLang="ru-RU" sz="2000" dirty="0"/>
               <a:t>SELECT </a:t>
             </a:r>
             <a:r>
+              <a:rPr lang="ru-RU" altLang="ru-RU" dirty="0"/>
+              <a:t>[константы, </a:t>
+            </a:r>
+            <a:r>
+              <a:rPr lang="ru-RU" altLang="ru-RU" dirty="0" err="1"/>
+              <a:t>агрегатные_функции</a:t>
+            </a:r>
+            <a:r>
+              <a:rPr lang="ru-RU" altLang="ru-RU" dirty="0"/>
+              <a:t>, </a:t>
+            </a:r>
+            <a:r>
+              <a:rPr lang="ru-RU" altLang="ru-RU" dirty="0" err="1"/>
+              <a:t>поля_группировки</a:t>
+            </a:r>
+            <a:r>
+              <a:rPr lang="ru-RU" altLang="ru-RU" dirty="0"/>
+              <a:t>]</a:t>
+            </a:r>
+            <a:endParaRPr lang="en-US" altLang="ru-RU" sz="2000" dirty="0"/>
+          </a:p>
+          <a:p>
+            <a:pPr>
+              <a:defRPr/>
+            </a:pPr>
+            <a:r>
               <a:rPr lang="ru-RU" altLang="ru-RU" sz="2000" dirty="0"/>
-              <a:t>[константы, </a:t>
-            </a:r>
-            <a:r>
-              <a:rPr lang="ru-RU" altLang="ru-RU" sz="2000" dirty="0" err="1"/>
-              <a:t>агрегатные_функции</a:t>
-            </a:r>
+              <a:t>FROM </a:t>
+            </a:r>
+            <a:r>
+              <a:rPr lang="ru-RU" altLang="ru-RU" dirty="0" err="1"/>
+              <a:t>имя_таблицы</a:t>
+            </a:r>
+            <a:endParaRPr lang="en-US" altLang="ru-RU" sz="2000" dirty="0"/>
+          </a:p>
+          <a:p>
+            <a:pPr>
+              <a:defRPr/>
+            </a:pPr>
             <a:r>
               <a:rPr lang="ru-RU" altLang="ru-RU" sz="2000" dirty="0"/>
-              <a:t>, </a:t>
-            </a:r>
-            <a:r>
-              <a:rPr lang="ru-RU" altLang="ru-RU" sz="2000" dirty="0" err="1"/>
+              <a:t>WHERE </a:t>
+            </a:r>
+            <a:r>
+              <a:rPr lang="ru-RU" altLang="ru-RU" dirty="0" err="1"/>
+              <a:t>условия_на_ограничения_строк</a:t>
+            </a:r>
+            <a:endParaRPr lang="en-US" altLang="ru-RU" sz="2000" dirty="0"/>
+          </a:p>
+          <a:p>
+            <a:pPr>
+              <a:defRPr/>
+            </a:pPr>
+            <a:r>
+              <a:rPr lang="ru-RU" altLang="ru-RU" sz="2000" dirty="0"/>
+              <a:t>GROUP BY </a:t>
+            </a:r>
+            <a:r>
+              <a:rPr lang="ru-RU" altLang="ru-RU" dirty="0" err="1"/>
               <a:t>поля_группировки</a:t>
             </a:r>
-            <a:r>
-              <a:rPr lang="ru-RU" altLang="ru-RU" sz="2000" dirty="0"/>
-              <a:t>]</a:t>
-            </a:r>
-            <a:endParaRPr lang="en-US" altLang="ru-RU" sz="2400" dirty="0"/>
+            <a:endParaRPr lang="en-US" altLang="ru-RU" sz="2000" dirty="0"/>
           </a:p>
           <a:p>
             <a:pPr>
               <a:defRPr/>
             </a:pPr>
             <a:r>
-              <a:rPr lang="ru-RU" altLang="ru-RU" sz="2400" dirty="0"/>
-              <a:t>FROM </a:t>
-            </a:r>
-            <a:r>
-              <a:rPr lang="ru-RU" altLang="ru-RU" sz="2000" dirty="0" err="1"/>
-              <a:t>имя_таблицы</a:t>
-            </a:r>
-            <a:endParaRPr lang="en-US" altLang="ru-RU" sz="2400" dirty="0"/>
-          </a:p>
-          <a:p>
-            <a:pPr>
-              <a:defRPr/>
-            </a:pPr>
-            <a:r>
-              <a:rPr lang="ru-RU" altLang="ru-RU" sz="2400" dirty="0"/>
-              <a:t>WHERE </a:t>
-            </a:r>
-            <a:r>
-              <a:rPr lang="ru-RU" altLang="ru-RU" sz="2000" dirty="0" err="1"/>
-              <a:t>условия_на_ограничения_строк</a:t>
-            </a:r>
-            <a:endParaRPr lang="en-US" altLang="ru-RU" sz="2400" dirty="0"/>
-          </a:p>
-          <a:p>
-            <a:pPr>
-              <a:defRPr/>
-            </a:pPr>
-            <a:r>
-              <a:rPr lang="ru-RU" altLang="ru-RU" sz="2400" dirty="0"/>
-              <a:t>GROUP BY </a:t>
-            </a:r>
-            <a:r>
-              <a:rPr lang="ru-RU" altLang="ru-RU" sz="2000" dirty="0" err="1"/>
-              <a:t>поля_группировки</a:t>
-            </a:r>
-            <a:endParaRPr lang="en-US" altLang="ru-RU" sz="2400" dirty="0"/>
-          </a:p>
-          <a:p>
-            <a:pPr>
-              <a:defRPr/>
-            </a:pPr>
-            <a:r>
-              <a:rPr lang="ru-RU" altLang="ru-RU" sz="2400" b="1" dirty="0"/>
+              <a:rPr lang="ru-RU" altLang="ru-RU" sz="2000" b="1" dirty="0"/>
               <a:t>HAVING</a:t>
-            </a:r>
-            <a:r>
-              <a:rPr lang="ru-RU" altLang="ru-RU" sz="2400" dirty="0"/>
-              <a:t> </a:t>
-            </a:r>
-            <a:r>
-              <a:rPr lang="ru-RU" altLang="ru-RU" sz="2000" dirty="0" err="1"/>
-              <a:t>условие_на_ограничение_строк_после_группировки</a:t>
-            </a:r>
-            <a:endParaRPr lang="en-US" altLang="ru-RU" sz="2400" dirty="0"/>
-          </a:p>
-          <a:p>
-            <a:pPr>
-              <a:defRPr/>
-            </a:pPr>
-            <a:r>
-              <a:rPr lang="ru-RU" altLang="ru-RU" sz="2400" dirty="0"/>
-              <a:t>ORDER BY </a:t>
-            </a:r>
-            <a:r>
-              <a:rPr lang="ru-RU" altLang="ru-RU" sz="2000" dirty="0" err="1"/>
-              <a:t>условие_сортировки</a:t>
             </a:r>
             <a:r>
               <a:rPr lang="ru-RU" altLang="ru-RU" sz="2000" dirty="0"/>
               <a:t> </a:t>
             </a:r>
-            <a:endParaRPr lang="ru-RU" altLang="ru-RU" sz="2400" dirty="0"/>
+            <a:r>
+              <a:rPr lang="ru-RU" altLang="ru-RU" dirty="0" err="1"/>
+              <a:t>условие_на_ограничение_строк_после_группировки</a:t>
+            </a:r>
+            <a:endParaRPr lang="en-US" altLang="ru-RU" sz="2000" dirty="0"/>
           </a:p>
           <a:p>
             <a:pPr>
               <a:defRPr/>
             </a:pPr>
-            <a:endParaRPr lang="ru-RU" sz="2400" dirty="0"/>
+            <a:r>
+              <a:rPr lang="ru-RU" altLang="ru-RU" sz="2000" dirty="0"/>
+              <a:t>ORDER BY </a:t>
+            </a:r>
+            <a:r>
+              <a:rPr lang="ru-RU" altLang="ru-RU" dirty="0" err="1"/>
+              <a:t>условие_сортировки</a:t>
+            </a:r>
+            <a:r>
+              <a:rPr lang="ru-RU" altLang="ru-RU" dirty="0"/>
+              <a:t> </a:t>
+            </a:r>
+            <a:endParaRPr lang="ru-RU" altLang="ru-RU" sz="2000" dirty="0"/>
+          </a:p>
+          <a:p>
+            <a:pPr>
+              <a:defRPr/>
+            </a:pPr>
+            <a:endParaRPr lang="ru-RU" sz="2000" dirty="0"/>
           </a:p>
         </p:txBody>
       </p:sp>
@@ -20189,7 +20183,7 @@
         </p:nvSpPr>
         <p:spPr>
           <a:xfrm>
-            <a:off x="5892068" y="5732630"/>
+            <a:off x="5532121" y="5106838"/>
             <a:ext cx="6157692" cy="830997"/>
           </a:xfrm>
           <a:prstGeom prst="rect">
@@ -21241,7 +21235,7 @@
         </p:nvSpPr>
         <p:spPr>
           <a:xfrm>
-            <a:off x="501227" y="1491413"/>
+            <a:off x="497840" y="1292827"/>
             <a:ext cx="11196320" cy="1200329"/>
           </a:xfrm>
           <a:prstGeom prst="rect">
@@ -38194,7 +38188,7 @@
         <p:spPr>
           <a:xfrm>
             <a:off x="877397" y="1290409"/>
-            <a:ext cx="10732096" cy="4647426"/>
+            <a:ext cx="10732096" cy="4278094"/>
           </a:xfrm>
           <a:prstGeom prst="rect">
             <a:avLst/>
@@ -38276,21 +38270,26 @@
             </a:pPr>
             <a:r>
               <a:rPr lang="ru-RU" sz="3200" dirty="0"/>
-              <a:t>На следующей паре - практика по основам </a:t>
+              <a:t>Далее:</a:t>
+            </a:r>
+          </a:p>
+          <a:p>
+            <a:pPr marL="457200" indent="-457200">
+              <a:buFont typeface="Arial" panose="020B0604020202020204" pitchFamily="34" charset="0"/>
+              <a:buChar char="•"/>
+              <a:defRPr/>
+            </a:pPr>
+            <a:r>
+              <a:rPr lang="ru-RU" sz="3200" dirty="0"/>
+              <a:t>Практика №1 (по основам </a:t>
             </a:r>
             <a:r>
               <a:rPr lang="en-US" sz="3200" dirty="0"/>
               <a:t>SQL</a:t>
             </a:r>
-            <a:endParaRPr lang="ru-RU" sz="3200" dirty="0"/>
-          </a:p>
-          <a:p>
-            <a:pPr lvl="1">
-              <a:defRPr/>
-            </a:pPr>
-            <a:r>
-              <a:rPr lang="ru-RU" sz="2400" dirty="0"/>
-              <a:t>	</a:t>
+            <a:r>
+              <a:rPr lang="ru-RU" sz="3200" dirty="0"/>
+              <a:t>): </a:t>
             </a:r>
             <a:r>
               <a:rPr lang="en-US" sz="2400" dirty="0" err="1"/>
@@ -38306,79 +38305,24 @@
             </a:r>
           </a:p>
           <a:p>
-            <a:pPr>
+            <a:pPr marL="457200" indent="-457200">
+              <a:buFont typeface="Arial" panose="020B0604020202020204" pitchFamily="34" charset="0"/>
+              <a:buChar char="•"/>
               <a:defRPr/>
             </a:pPr>
             <a:r>
               <a:rPr lang="ru-RU" sz="3200" dirty="0"/>
-              <a:t>Через пару – практика по поиску злоумышленников с </a:t>
-            </a:r>
-            <a:r>
-              <a:rPr lang="en-US" sz="3200" dirty="0"/>
-              <a:t>SQL</a:t>
-            </a:r>
-          </a:p>
-          <a:p>
-            <a:pPr>
-              <a:defRPr/>
-            </a:pPr>
-            <a:r>
-              <a:rPr lang="en-US" sz="3200" dirty="0"/>
-              <a:t>	</a:t>
+              <a:t>Практика №2 (поиск злоумышленников): </a:t>
             </a:r>
             <a:r>
               <a:rPr lang="ru-RU" sz="2400" dirty="0"/>
-              <a:t>Расследование с применением запросов к БД оператора сотовой связи. Делаем дома, защищаем на паре</a:t>
+              <a:t>Расследование с применением запросов к БД оператора сотовой </a:t>
+            </a:r>
+            <a:r>
+              <a:rPr lang="ru-RU" sz="2400"/>
+              <a:t>связи.</a:t>
             </a:r>
             <a:endParaRPr lang="ru-RU" sz="2800" dirty="0"/>
-          </a:p>
-        </p:txBody>
-      </p:sp>
-      <p:sp>
-        <p:nvSpPr>
-          <p:cNvPr id="5" name="Прямоугольник 4">
-            <a:extLst>
-              <a:ext uri="{FF2B5EF4-FFF2-40B4-BE49-F238E27FC236}">
-                <a16:creationId xmlns:a16="http://schemas.microsoft.com/office/drawing/2014/main" id="{48EF792E-93F8-436F-A15C-75484E3965C6}"/>
-              </a:ext>
-            </a:extLst>
-          </p:cNvPr>
-          <p:cNvSpPr/>
-          <p:nvPr/>
-        </p:nvSpPr>
-        <p:spPr>
-          <a:xfrm>
-            <a:off x="193291" y="6356350"/>
-            <a:ext cx="4495846" cy="369332"/>
-          </a:xfrm>
-          <a:prstGeom prst="rect">
-            <a:avLst/>
-          </a:prstGeom>
-        </p:spPr>
-        <p:txBody>
-          <a:bodyPr wrap="none">
-            <a:spAutoFit/>
-          </a:bodyPr>
-          <a:lstStyle/>
-          <a:p>
-            <a:r>
-              <a:rPr lang="ru-RU" dirty="0">
-                <a:latin typeface="Arial" panose="020B0604020202020204" pitchFamily="34" charset="0"/>
-                <a:cs typeface="Arial" panose="020B0604020202020204" pitchFamily="34" charset="0"/>
-              </a:rPr>
-              <a:t>Вопросы на почту </a:t>
-            </a:r>
-            <a:r>
-              <a:rPr lang="en-US" dirty="0">
-                <a:latin typeface="Arial" panose="020B0604020202020204" pitchFamily="34" charset="0"/>
-                <a:cs typeface="Arial" panose="020B0604020202020204" pitchFamily="34" charset="0"/>
-              </a:rPr>
-              <a:t>asinadskiy@yandex.ru</a:t>
-            </a:r>
-            <a:endParaRPr lang="ru-RU" dirty="0">
-              <a:latin typeface="Arial" panose="020B0604020202020204" pitchFamily="34" charset="0"/>
-              <a:cs typeface="Arial" panose="020B0604020202020204" pitchFamily="34" charset="0"/>
-            </a:endParaRPr>
           </a:p>
         </p:txBody>
       </p:sp>
